--- a/excel-power-tools-gxls-2025.pptx
+++ b/excel-power-tools-gxls-2025.pptx
@@ -267,7 +267,7 @@
           <a:p>
             <a:fld id="{17A98A70-FA8C-4354-959C-C70678AC9BCF}" type="datetimeFigureOut">
               <a:rPr lang="en-US" smtClean="0"/>
-              <a:t>7/11/2024</a:t>
+              <a:t>1/1/2025</a:t>
             </a:fld>
             <a:endParaRPr lang="en-US"/>
           </a:p>
@@ -2334,7 +2334,7 @@
             <a:fld id="{1D8BD707-D9CF-40AE-B4C6-C98DA3205C09}" type="datetimeFigureOut">
               <a:rPr lang="en-US" smtClean="0"/>
               <a:pPr/>
-              <a:t>7/11/2024</a:t>
+              <a:t>1/1/2025</a:t>
             </a:fld>
             <a:endParaRPr lang="en-US"/>
           </a:p>
@@ -2499,7 +2499,7 @@
             <a:fld id="{1D8BD707-D9CF-40AE-B4C6-C98DA3205C09}" type="datetimeFigureOut">
               <a:rPr lang="en-US" smtClean="0"/>
               <a:pPr/>
-              <a:t>7/11/2024</a:t>
+              <a:t>1/1/2025</a:t>
             </a:fld>
             <a:endParaRPr lang="en-US"/>
           </a:p>
@@ -2674,7 +2674,7 @@
             <a:fld id="{1D8BD707-D9CF-40AE-B4C6-C98DA3205C09}" type="datetimeFigureOut">
               <a:rPr lang="en-US" smtClean="0"/>
               <a:pPr/>
-              <a:t>7/11/2024</a:t>
+              <a:t>1/1/2025</a:t>
             </a:fld>
             <a:endParaRPr lang="en-US"/>
           </a:p>
@@ -2839,7 +2839,7 @@
             <a:fld id="{1D8BD707-D9CF-40AE-B4C6-C98DA3205C09}" type="datetimeFigureOut">
               <a:rPr lang="en-US" smtClean="0"/>
               <a:pPr/>
-              <a:t>7/11/2024</a:t>
+              <a:t>1/1/2025</a:t>
             </a:fld>
             <a:endParaRPr lang="en-US"/>
           </a:p>
@@ -3081,7 +3081,7 @@
             <a:fld id="{1D8BD707-D9CF-40AE-B4C6-C98DA3205C09}" type="datetimeFigureOut">
               <a:rPr lang="en-US" smtClean="0"/>
               <a:pPr/>
-              <a:t>7/11/2024</a:t>
+              <a:t>1/1/2025</a:t>
             </a:fld>
             <a:endParaRPr lang="en-US"/>
           </a:p>
@@ -3363,7 +3363,7 @@
             <a:fld id="{1D8BD707-D9CF-40AE-B4C6-C98DA3205C09}" type="datetimeFigureOut">
               <a:rPr lang="en-US" smtClean="0"/>
               <a:pPr/>
-              <a:t>7/11/2024</a:t>
+              <a:t>1/1/2025</a:t>
             </a:fld>
             <a:endParaRPr lang="en-US"/>
           </a:p>
@@ -3779,7 +3779,7 @@
             <a:fld id="{1D8BD707-D9CF-40AE-B4C6-C98DA3205C09}" type="datetimeFigureOut">
               <a:rPr lang="en-US" smtClean="0"/>
               <a:pPr/>
-              <a:t>7/11/2024</a:t>
+              <a:t>1/1/2025</a:t>
             </a:fld>
             <a:endParaRPr lang="en-US"/>
           </a:p>
@@ -3893,7 +3893,7 @@
             <a:fld id="{1D8BD707-D9CF-40AE-B4C6-C98DA3205C09}" type="datetimeFigureOut">
               <a:rPr lang="en-US" smtClean="0"/>
               <a:pPr/>
-              <a:t>7/11/2024</a:t>
+              <a:t>1/1/2025</a:t>
             </a:fld>
             <a:endParaRPr lang="en-US"/>
           </a:p>
@@ -3985,7 +3985,7 @@
             <a:fld id="{1D8BD707-D9CF-40AE-B4C6-C98DA3205C09}" type="datetimeFigureOut">
               <a:rPr lang="en-US" smtClean="0"/>
               <a:pPr/>
-              <a:t>7/11/2024</a:t>
+              <a:t>1/1/2025</a:t>
             </a:fld>
             <a:endParaRPr lang="en-US"/>
           </a:p>
@@ -4257,7 +4257,7 @@
             <a:fld id="{1D8BD707-D9CF-40AE-B4C6-C98DA3205C09}" type="datetimeFigureOut">
               <a:rPr lang="en-US" smtClean="0"/>
               <a:pPr/>
-              <a:t>7/11/2024</a:t>
+              <a:t>1/1/2025</a:t>
             </a:fld>
             <a:endParaRPr lang="en-US"/>
           </a:p>
@@ -4506,7 +4506,7 @@
             <a:fld id="{1D8BD707-D9CF-40AE-B4C6-C98DA3205C09}" type="datetimeFigureOut">
               <a:rPr lang="en-US" smtClean="0"/>
               <a:pPr/>
-              <a:t>7/11/2024</a:t>
+              <a:t>1/1/2025</a:t>
             </a:fld>
             <a:endParaRPr lang="en-US"/>
           </a:p>
@@ -4719,7 +4719,7 @@
             <a:fld id="{1D8BD707-D9CF-40AE-B4C6-C98DA3205C09}" type="datetimeFigureOut">
               <a:rPr lang="en-US" smtClean="0"/>
               <a:pPr/>
-              <a:t>7/11/2024</a:t>
+              <a:t>1/1/2025</a:t>
             </a:fld>
             <a:endParaRPr lang="en-US"/>
           </a:p>
@@ -10191,7 +10191,7 @@
         <p:spPr>
           <a:xfrm>
             <a:off x="520861" y="3191948"/>
-            <a:ext cx="14393120" cy="3970318"/>
+            <a:ext cx="14393120" cy="5909310"/>
           </a:xfrm>
           <a:prstGeom prst="rect">
             <a:avLst/>
@@ -10219,6 +10219,75 @@
                 <a:latin typeface="Pragmatica" panose="020B0403040502020204" pitchFamily="34" charset="0"/>
               </a:rPr>
               <a:t>Use current AI-powered features in Excel for data entry, analysis and automation</a:t>
+            </a:r>
+          </a:p>
+          <a:p>
+            <a:pPr marL="1143000" lvl="1" indent="-685800">
+              <a:buClr>
+                <a:srgbClr val="CF3338"/>
+              </a:buClr>
+              <a:buFont typeface="Arial" panose="020B0604020202020204" pitchFamily="34" charset="0"/>
+              <a:buChar char="•"/>
+            </a:pPr>
+            <a:r>
+              <a:rPr lang="en-US" sz="4200" b="1" dirty="0">
+                <a:solidFill>
+                  <a:srgbClr val="707070"/>
+                </a:solidFill>
+                <a:latin typeface="Pragmatica" panose="020B0403040502020204" pitchFamily="34" charset="0"/>
+              </a:rPr>
+              <a:t>Enhancing Excel with </a:t>
+            </a:r>
+            <a:r>
+              <a:rPr lang="en-US" sz="4200" b="1" dirty="0" err="1">
+                <a:solidFill>
+                  <a:srgbClr val="707070"/>
+                </a:solidFill>
+                <a:latin typeface="Pragmatica" panose="020B0403040502020204" pitchFamily="34" charset="0"/>
+              </a:rPr>
+              <a:t>GenAI</a:t>
+            </a:r>
+            <a:endParaRPr lang="en-US" sz="4200" b="1" dirty="0">
+              <a:solidFill>
+                <a:srgbClr val="707070"/>
+              </a:solidFill>
+              <a:latin typeface="Pragmatica" panose="020B0403040502020204" pitchFamily="34" charset="0"/>
+            </a:endParaRPr>
+          </a:p>
+          <a:p>
+            <a:pPr marL="1143000" lvl="1" indent="-685800">
+              <a:buClr>
+                <a:srgbClr val="CF3338"/>
+              </a:buClr>
+              <a:buFont typeface="Arial" panose="020B0604020202020204" pitchFamily="34" charset="0"/>
+              <a:buChar char="•"/>
+            </a:pPr>
+            <a:r>
+              <a:rPr lang="en-US" sz="4200" b="1" dirty="0">
+                <a:solidFill>
+                  <a:srgbClr val="707070"/>
+                </a:solidFill>
+                <a:latin typeface="Pragmatica" panose="020B0403040502020204" pitchFamily="34" charset="0"/>
+              </a:rPr>
+              <a:t>Office Scripts &amp; Power Automate Basics</a:t>
+            </a:r>
+          </a:p>
+          <a:p>
+            <a:pPr marL="1143000" lvl="1" indent="-685800">
+              <a:buClr>
+                <a:srgbClr val="CF3338"/>
+              </a:buClr>
+              <a:buFont typeface="Arial" panose="020B0604020202020204" pitchFamily="34" charset="0"/>
+              <a:buChar char="•"/>
+            </a:pPr>
+            <a:r>
+              <a:rPr lang="en-US" sz="4200" b="1" dirty="0">
+                <a:solidFill>
+                  <a:srgbClr val="707070"/>
+                </a:solidFill>
+                <a:latin typeface="Pragmatica" panose="020B0403040502020204" pitchFamily="34" charset="0"/>
+              </a:rPr>
+              <a:t>Python + Copilot with Python Basics</a:t>
             </a:r>
           </a:p>
           <a:p>
